--- a/cv2023.pptx
+++ b/cv2023.pptx
@@ -12056,13 +12056,13 @@
           <p:nvPr>
             <p:extLst>
               <p:ext uri="{D42A27DB-BD31-4B8C-83A1-F6EECF244321}">
-                <p14:modId xmlns:p14="http://schemas.microsoft.com/office/powerpoint/2010/main" val="269079190"/>
+                <p14:modId xmlns:p14="http://schemas.microsoft.com/office/powerpoint/2010/main" val="2023672439"/>
               </p:ext>
             </p:extLst>
           </p:nvPr>
         </p:nvGraphicFramePr>
         <p:xfrm>
-          <a:off x="194727" y="4910674"/>
+          <a:off x="194727" y="4978410"/>
           <a:ext cx="12513735" cy="414867"/>
         </p:xfrm>
         <a:graphic>
@@ -12085,7 +12085,7 @@
         </p:nvGrpSpPr>
         <p:grpSpPr>
           <a:xfrm>
-            <a:off x="169332" y="7579860"/>
+            <a:off x="169332" y="7715332"/>
             <a:ext cx="12513735" cy="1126067"/>
             <a:chOff x="287864" y="4783435"/>
             <a:chExt cx="12513735" cy="1126067"/>
@@ -12532,13 +12532,6 @@
             </a:endParaRPr>
           </a:p>
           <a:p>
-            <a:endParaRPr lang="en-US" sz="800" dirty="0">
-              <a:solidFill>
-                <a:schemeClr val="tx1"/>
-              </a:solidFill>
-            </a:endParaRPr>
-          </a:p>
-          <a:p>
             <a:pPr marL="171450" indent="-171450">
               <a:buFont typeface="Arial" panose="020B0604020202020204" pitchFamily="34" charset="0"/>
               <a:buChar char="•"/>
@@ -12607,6 +12600,13 @@
               </a:rPr>
               <a:t>Created various Solution and microservice designs for AI based data matching, water meter readings and leakage detection</a:t>
             </a:r>
+          </a:p>
+          <a:p>
+            <a:endParaRPr lang="en-US" sz="800" dirty="0">
+              <a:solidFill>
+                <a:schemeClr val="tx1"/>
+              </a:solidFill>
+            </a:endParaRPr>
           </a:p>
           <a:p>
             <a:endParaRPr lang="en-US" sz="800" dirty="0">
@@ -12817,20 +12817,6 @@
             </a:endParaRPr>
           </a:p>
           <a:p>
-            <a:endParaRPr lang="en-US" sz="800" dirty="0">
-              <a:solidFill>
-                <a:schemeClr val="tx1"/>
-              </a:solidFill>
-            </a:endParaRPr>
-          </a:p>
-          <a:p>
-            <a:endParaRPr lang="en-US" sz="800" dirty="0">
-              <a:solidFill>
-                <a:schemeClr val="tx1"/>
-              </a:solidFill>
-            </a:endParaRPr>
-          </a:p>
-          <a:p>
             <a:pPr marL="171450" indent="-171450">
               <a:buFont typeface="Arial" panose="020B0604020202020204" pitchFamily="34" charset="0"/>
               <a:buChar char="•"/>
@@ -12899,6 +12885,28 @@
               </a:rPr>
               <a:t>Trialed the use of ArchiMate notation for Solution Architecture</a:t>
             </a:r>
+          </a:p>
+          <a:p>
+            <a:pPr marL="171450" indent="-171450">
+              <a:buFont typeface="Arial" panose="020B0604020202020204" pitchFamily="34" charset="0"/>
+              <a:buChar char="•"/>
+            </a:pPr>
+            <a:endParaRPr lang="en-US" sz="800" dirty="0">
+              <a:solidFill>
+                <a:schemeClr val="tx1"/>
+              </a:solidFill>
+            </a:endParaRPr>
+          </a:p>
+          <a:p>
+            <a:pPr marL="171450" indent="-171450">
+              <a:buFont typeface="Arial" panose="020B0604020202020204" pitchFamily="34" charset="0"/>
+              <a:buChar char="•"/>
+            </a:pPr>
+            <a:endParaRPr lang="en-US" sz="800" dirty="0">
+              <a:solidFill>
+                <a:schemeClr val="tx1"/>
+              </a:solidFill>
+            </a:endParaRPr>
           </a:p>
           <a:p>
             <a:pPr marL="171450" indent="-171450">
@@ -13423,13 +13431,6 @@
             </a:endParaRPr>
           </a:p>
           <a:p>
-            <a:endParaRPr lang="en-US" sz="800" dirty="0">
-              <a:solidFill>
-                <a:schemeClr val="tx1"/>
-              </a:solidFill>
-            </a:endParaRPr>
-          </a:p>
-          <a:p>
             <a:pPr marL="171450" indent="-171450">
               <a:buFont typeface="Arial" panose="020B0604020202020204" pitchFamily="34" charset="0"/>
               <a:buChar char="•"/>
@@ -13470,6 +13471,17 @@
               </a:rPr>
               <a:t>Created High-Level Solution Design for new Insurance Product website, including mapping to and estimations for AEM standard and custom components and helped with costings for total project</a:t>
             </a:r>
+          </a:p>
+          <a:p>
+            <a:pPr marL="171450" indent="-171450">
+              <a:buFont typeface="Arial" panose="020B0604020202020204" pitchFamily="34" charset="0"/>
+              <a:buChar char="•"/>
+            </a:pPr>
+            <a:endParaRPr lang="en-US" sz="800" dirty="0">
+              <a:solidFill>
+                <a:schemeClr val="tx1"/>
+              </a:solidFill>
+            </a:endParaRPr>
           </a:p>
           <a:p>
             <a:pPr marL="171450" indent="-171450">
@@ -14066,7 +14078,7 @@
         </p:nvSpPr>
         <p:spPr>
           <a:xfrm>
-            <a:off x="194726" y="5325542"/>
+            <a:off x="194726" y="5393278"/>
             <a:ext cx="12513735" cy="369332"/>
           </a:xfrm>
           <a:prstGeom prst="rightArrow">
@@ -14139,7 +14151,7 @@
         </p:nvSpPr>
         <p:spPr>
           <a:xfrm>
-            <a:off x="4472558" y="5325541"/>
+            <a:off x="4472558" y="5393277"/>
             <a:ext cx="1764695" cy="374136"/>
           </a:xfrm>
           <a:prstGeom prst="rect">
@@ -14212,7 +14224,7 @@
         </p:nvSpPr>
         <p:spPr>
           <a:xfrm>
-            <a:off x="6589226" y="5330804"/>
+            <a:off x="6589226" y="5398540"/>
             <a:ext cx="1755173" cy="374136"/>
           </a:xfrm>
           <a:prstGeom prst="rect">
@@ -14285,7 +14297,7 @@
         </p:nvSpPr>
         <p:spPr>
           <a:xfrm>
-            <a:off x="8616897" y="5330804"/>
+            <a:off x="8616897" y="5398540"/>
             <a:ext cx="1753830" cy="374136"/>
           </a:xfrm>
           <a:prstGeom prst="rect">
@@ -14366,7 +14378,7 @@
         </p:nvSpPr>
         <p:spPr>
           <a:xfrm>
-            <a:off x="10718794" y="5323141"/>
+            <a:off x="10718794" y="5390877"/>
             <a:ext cx="1753829" cy="374136"/>
           </a:xfrm>
           <a:prstGeom prst="rect">
@@ -14439,7 +14451,7 @@
         </p:nvSpPr>
         <p:spPr>
           <a:xfrm>
-            <a:off x="2316570" y="5323141"/>
+            <a:off x="2316570" y="5390877"/>
             <a:ext cx="1791629" cy="374136"/>
           </a:xfrm>
           <a:prstGeom prst="rect">
@@ -14512,7 +14524,7 @@
         </p:nvSpPr>
         <p:spPr>
           <a:xfrm>
-            <a:off x="198953" y="5330804"/>
+            <a:off x="198953" y="5398540"/>
             <a:ext cx="1781812" cy="374136"/>
           </a:xfrm>
           <a:prstGeom prst="rect">
@@ -14620,7 +14632,7 @@
         </p:nvSpPr>
         <p:spPr>
           <a:xfrm>
-            <a:off x="10718796" y="5690533"/>
+            <a:off x="10718796" y="5758269"/>
             <a:ext cx="1764697" cy="1548000"/>
           </a:xfrm>
           <a:prstGeom prst="rect">
@@ -14663,8 +14675,80 @@
                   <a:schemeClr val="tx1"/>
                 </a:solidFill>
               </a:rPr>
-              <a:t>Consult internally and externally for OutSystems and Integration Architectures for Vodafone and ATO.</a:t>
-            </a:r>
+              <a:t>DB Results are a small Australian consultancy firm.</a:t>
+            </a:r>
+          </a:p>
+          <a:p>
+            <a:endParaRPr lang="en-US" sz="800" dirty="0">
+              <a:solidFill>
+                <a:schemeClr val="tx1"/>
+              </a:solidFill>
+            </a:endParaRPr>
+          </a:p>
+          <a:p>
+            <a:endParaRPr lang="en-US" sz="800" dirty="0">
+              <a:solidFill>
+                <a:schemeClr val="tx1"/>
+              </a:solidFill>
+            </a:endParaRPr>
+          </a:p>
+          <a:p>
+            <a:endParaRPr lang="en-US" sz="800" dirty="0">
+              <a:solidFill>
+                <a:schemeClr val="tx1"/>
+              </a:solidFill>
+            </a:endParaRPr>
+          </a:p>
+          <a:p>
+            <a:endParaRPr lang="en-US" sz="800" dirty="0">
+              <a:solidFill>
+                <a:schemeClr val="tx1"/>
+              </a:solidFill>
+            </a:endParaRPr>
+          </a:p>
+          <a:p>
+            <a:r>
+              <a:rPr lang="en-US" sz="800" dirty="0">
+                <a:solidFill>
+                  <a:schemeClr val="tx1"/>
+                </a:solidFill>
+              </a:rPr>
+              <a:t>Architected Business Self Service Portal for ATO deployed on AWS</a:t>
+            </a:r>
+          </a:p>
+          <a:p>
+            <a:r>
+              <a:rPr lang="en-US" sz="800" dirty="0">
+                <a:solidFill>
+                  <a:schemeClr val="tx1"/>
+                </a:solidFill>
+              </a:rPr>
+              <a:t>Developed  Integration Strategy for Vodafone.</a:t>
+            </a:r>
+          </a:p>
+          <a:p>
+            <a:r>
+              <a:rPr lang="en-US" sz="800" dirty="0">
+                <a:solidFill>
+                  <a:schemeClr val="tx1"/>
+                </a:solidFill>
+              </a:rPr>
+              <a:t>Refined Agile methodology and Solution Architecture approach</a:t>
+            </a:r>
+          </a:p>
+          <a:p>
+            <a:endParaRPr lang="en-US" sz="800" dirty="0">
+              <a:solidFill>
+                <a:schemeClr val="tx1"/>
+              </a:solidFill>
+            </a:endParaRPr>
+          </a:p>
+          <a:p>
+            <a:endParaRPr lang="en-US" sz="800" dirty="0">
+              <a:solidFill>
+                <a:schemeClr val="tx1"/>
+              </a:solidFill>
+            </a:endParaRPr>
           </a:p>
         </p:txBody>
       </p:sp>
@@ -14682,7 +14766,7 @@
         </p:nvSpPr>
         <p:spPr>
           <a:xfrm>
-            <a:off x="8602132" y="5690533"/>
+            <a:off x="8602132" y="5758269"/>
             <a:ext cx="1764696" cy="1548000"/>
           </a:xfrm>
           <a:prstGeom prst="rect">
@@ -14736,13 +14820,27 @@
             </a:endParaRPr>
           </a:p>
           <a:p>
+            <a:endParaRPr lang="en-US" sz="800" dirty="0">
+              <a:solidFill>
+                <a:schemeClr val="tx1"/>
+              </a:solidFill>
+            </a:endParaRPr>
+          </a:p>
+          <a:p>
+            <a:endParaRPr lang="en-US" sz="800" dirty="0">
+              <a:solidFill>
+                <a:schemeClr val="tx1"/>
+              </a:solidFill>
+            </a:endParaRPr>
+          </a:p>
+          <a:p>
             <a:r>
               <a:rPr lang="en-US" sz="800" dirty="0">
                 <a:solidFill>
                   <a:schemeClr val="tx1"/>
                 </a:solidFill>
               </a:rPr>
-              <a:t>Create 5 year Enterprise Roadmap for Health Education England</a:t>
+              <a:t>Create 5 year Enterprise Roadmap for Health Education England using a Scrumban process which we then trained HEE staff in by co-creation and involvement in its iteration.</a:t>
             </a:r>
           </a:p>
           <a:p>
@@ -14789,7 +14887,7 @@
         </p:nvSpPr>
         <p:spPr>
           <a:xfrm>
-            <a:off x="6578596" y="5693513"/>
+            <a:off x="6578596" y="5761249"/>
             <a:ext cx="1764695" cy="1548000"/>
           </a:xfrm>
           <a:prstGeom prst="rect">
@@ -14843,21 +14941,28 @@
             </a:endParaRPr>
           </a:p>
           <a:p>
+            <a:endParaRPr lang="en-US" sz="800" dirty="0">
+              <a:solidFill>
+                <a:schemeClr val="tx1"/>
+              </a:solidFill>
+            </a:endParaRPr>
+          </a:p>
+          <a:p>
+            <a:endParaRPr lang="en-US" sz="800" dirty="0">
+              <a:solidFill>
+                <a:schemeClr val="tx1"/>
+              </a:solidFill>
+            </a:endParaRPr>
+          </a:p>
+          <a:p>
             <a:r>
               <a:rPr lang="en-US" sz="800" dirty="0">
                 <a:solidFill>
                   <a:schemeClr val="tx1"/>
                 </a:solidFill>
               </a:rPr>
-              <a:t>Create Baseline Digital Architecture for Thames Water’s Transformation</a:t>
-            </a:r>
-          </a:p>
-          <a:p>
-            <a:endParaRPr lang="en-US" sz="800" dirty="0">
-              <a:solidFill>
-                <a:schemeClr val="tx1"/>
-              </a:solidFill>
-            </a:endParaRPr>
+              <a:t>Create Baseline Digital Architecture for Thames Water’s Transformation including Reference Solution and Technical Architectures using SiteCore and Ionic on Private Cloud, AWS and Azure.</a:t>
+            </a:r>
           </a:p>
           <a:p>
             <a:endParaRPr lang="en-US" sz="800" dirty="0">
@@ -14896,7 +15001,7 @@
         </p:nvSpPr>
         <p:spPr>
           <a:xfrm>
-            <a:off x="4489493" y="5687331"/>
+            <a:off x="4489493" y="5755067"/>
             <a:ext cx="1740549" cy="1548000"/>
           </a:xfrm>
           <a:prstGeom prst="rect">
@@ -14949,7 +15054,7 @@
                   <a:schemeClr val="tx1"/>
                 </a:solidFill>
               </a:rPr>
-              <a:t>to create the “bus” for Smart Metering infrastructure between the consumer and suppliers</a:t>
+              <a:t>to create the “bus” for Smart Metering infrastructure between the consumer and suppliers.</a:t>
             </a:r>
           </a:p>
           <a:p>
@@ -14999,7 +15104,7 @@
         </p:nvSpPr>
         <p:spPr>
           <a:xfrm>
-            <a:off x="2311394" y="5687329"/>
+            <a:off x="2311394" y="5755065"/>
             <a:ext cx="1796805" cy="1548000"/>
           </a:xfrm>
           <a:prstGeom prst="rect">
@@ -15042,8 +15147,22 @@
                   <a:schemeClr val="tx1"/>
                 </a:solidFill>
               </a:rPr>
-              <a:t>Part of Boston-based State Street Corporation, the world’s leading provider of services to institutional investors</a:t>
-            </a:r>
+              <a:t>Part of Boston-based State Street Corporation, the world’s leading provider of services to institutional investors.</a:t>
+            </a:r>
+          </a:p>
+          <a:p>
+            <a:endParaRPr lang="en-US" sz="800" dirty="0">
+              <a:solidFill>
+                <a:schemeClr val="tx1"/>
+              </a:solidFill>
+            </a:endParaRPr>
+          </a:p>
+          <a:p>
+            <a:endParaRPr lang="en-US" sz="800" dirty="0">
+              <a:solidFill>
+                <a:schemeClr val="tx1"/>
+              </a:solidFill>
+            </a:endParaRPr>
           </a:p>
           <a:p>
             <a:r>
@@ -15052,7 +15171,7 @@
                   <a:schemeClr val="tx1"/>
                 </a:solidFill>
               </a:rPr>
-              <a:t>Implement a new Service Oriented Architecture and perform SOA Migration to WebMethods</a:t>
+              <a:t>Architect, Manage and Implement a new Service Oriented Architecture and perform SOA Migration to WebMethods.</a:t>
             </a:r>
           </a:p>
           <a:p>
@@ -15078,7 +15197,7 @@
         </p:nvSpPr>
         <p:spPr>
           <a:xfrm>
-            <a:off x="194726" y="5687329"/>
+            <a:off x="194726" y="5755065"/>
             <a:ext cx="1780501" cy="1548000"/>
           </a:xfrm>
           <a:prstGeom prst="rect">
@@ -15122,6 +15241,52 @@
                 </a:solidFill>
               </a:rPr>
               <a:t>Global Core Insurance solutions, including the London Insurance Market at Lloyd’s of London.</a:t>
+            </a:r>
+          </a:p>
+          <a:p>
+            <a:endParaRPr lang="en-US" sz="800" dirty="0">
+              <a:solidFill>
+                <a:schemeClr val="tx1"/>
+              </a:solidFill>
+            </a:endParaRPr>
+          </a:p>
+          <a:p>
+            <a:endParaRPr lang="en-US" sz="800" dirty="0">
+              <a:solidFill>
+                <a:schemeClr val="tx1"/>
+              </a:solidFill>
+            </a:endParaRPr>
+          </a:p>
+          <a:p>
+            <a:endParaRPr lang="en-US" sz="800" dirty="0">
+              <a:solidFill>
+                <a:schemeClr val="tx1"/>
+              </a:solidFill>
+            </a:endParaRPr>
+          </a:p>
+          <a:p>
+            <a:r>
+              <a:rPr lang="en-US" sz="800" dirty="0">
+                <a:solidFill>
+                  <a:schemeClr val="tx1"/>
+                </a:solidFill>
+              </a:rPr>
+              <a:t>Create Solution Architectures for Xchanging’s new programmes, including an iPad application (X-presso) for Insurance Brokers in the London Insurance Market.</a:t>
+            </a:r>
+            <a:br>
+              <a:rPr lang="en-US" sz="800" dirty="0">
+                <a:solidFill>
+                  <a:schemeClr val="tx1"/>
+                </a:solidFill>
+              </a:rPr>
+            </a:br>
+            <a:r>
+              <a:rPr lang="en-US" sz="800" dirty="0">
+                <a:solidFill>
+                  <a:schemeClr val="tx1"/>
+                </a:solidFill>
+              </a:rPr>
+              <a:t>Helped develop Claims State Model.</a:t>
             </a:r>
           </a:p>
         </p:txBody>
@@ -15577,7 +15742,7 @@
         </p:blipFill>
         <p:spPr>
           <a:xfrm>
-            <a:off x="98005" y="5325200"/>
+            <a:off x="98005" y="5392936"/>
             <a:ext cx="369234" cy="337425"/>
           </a:xfrm>
           <a:prstGeom prst="rect">
@@ -15599,7 +15764,7 @@
         </p:nvSpPr>
         <p:spPr>
           <a:xfrm>
-            <a:off x="12075" y="5063984"/>
+            <a:off x="12075" y="5131720"/>
             <a:ext cx="550151" cy="307777"/>
           </a:xfrm>
           <a:prstGeom prst="rect">
@@ -15653,7 +15818,7 @@
         </p:blipFill>
         <p:spPr>
           <a:xfrm>
-            <a:off x="2277541" y="5341622"/>
+            <a:off x="2277541" y="5409358"/>
             <a:ext cx="335643" cy="335643"/>
           </a:xfrm>
           <a:prstGeom prst="rect">
@@ -15675,7 +15840,7 @@
         </p:nvSpPr>
         <p:spPr>
           <a:xfrm>
-            <a:off x="1843842" y="5350250"/>
+            <a:off x="1843842" y="5417986"/>
             <a:ext cx="550151" cy="307777"/>
           </a:xfrm>
           <a:prstGeom prst="rect">
@@ -15729,7 +15894,7 @@
         </p:blipFill>
         <p:spPr>
           <a:xfrm>
-            <a:off x="4422716" y="5340748"/>
+            <a:off x="4422716" y="5408484"/>
             <a:ext cx="368882" cy="354126"/>
           </a:xfrm>
           <a:prstGeom prst="rect">
@@ -15751,7 +15916,7 @@
         </p:nvSpPr>
         <p:spPr>
           <a:xfrm>
-            <a:off x="4001836" y="5336466"/>
+            <a:off x="4001836" y="5404202"/>
             <a:ext cx="550151" cy="307777"/>
           </a:xfrm>
           <a:prstGeom prst="rect">
@@ -15787,7 +15952,7 @@
         </p:nvGrpSpPr>
         <p:grpSpPr>
           <a:xfrm>
-            <a:off x="6520578" y="5324642"/>
+            <a:off x="6520578" y="5392378"/>
             <a:ext cx="353605" cy="356504"/>
             <a:chOff x="2787695" y="5189470"/>
             <a:chExt cx="3098800" cy="3124200"/>
@@ -15901,7 +16066,7 @@
         </p:nvSpPr>
         <p:spPr>
           <a:xfrm>
-            <a:off x="6138328" y="5350946"/>
+            <a:off x="6138328" y="5418682"/>
             <a:ext cx="550151" cy="307777"/>
           </a:xfrm>
           <a:prstGeom prst="rect">
@@ -15944,7 +16109,7 @@
         </p:blipFill>
         <p:spPr>
           <a:xfrm>
-            <a:off x="8556673" y="5420001"/>
+            <a:off x="8556673" y="5487737"/>
             <a:ext cx="471126" cy="183216"/>
           </a:xfrm>
           <a:prstGeom prst="rect">
@@ -15966,7 +16131,7 @@
         </p:nvSpPr>
         <p:spPr>
           <a:xfrm>
-            <a:off x="8195727" y="5350947"/>
+            <a:off x="8195727" y="5418683"/>
             <a:ext cx="550151" cy="307777"/>
           </a:xfrm>
           <a:prstGeom prst="rect">
@@ -16016,7 +16181,7 @@
         </p:blipFill>
         <p:spPr bwMode="auto">
           <a:xfrm>
-            <a:off x="10473453" y="5266986"/>
+            <a:off x="10473453" y="5334722"/>
             <a:ext cx="550152" cy="401812"/>
           </a:xfrm>
           <a:prstGeom prst="rect">
@@ -16048,7 +16213,7 @@
         </p:nvSpPr>
         <p:spPr>
           <a:xfrm>
-            <a:off x="70829" y="7359383"/>
+            <a:off x="70829" y="7494855"/>
             <a:ext cx="1138325" cy="307777"/>
           </a:xfrm>
           <a:prstGeom prst="rect">
@@ -16264,6 +16429,61 @@
           </p:spPr>
         </p:pic>
       </p:grpSp>
+      <p:sp>
+        <p:nvSpPr>
+          <p:cNvPr id="12" name="TextBox 11">
+            <a:extLst>
+              <a:ext uri="{FF2B5EF4-FFF2-40B4-BE49-F238E27FC236}">
+                <a16:creationId xmlns:a16="http://schemas.microsoft.com/office/drawing/2014/main" id="{BCCF78B8-A011-233C-97C8-D09FA7A0F415}"/>
+              </a:ext>
+            </a:extLst>
+          </p:cNvPr>
+          <p:cNvSpPr txBox="1"/>
+          <p:nvPr/>
+        </p:nvSpPr>
+        <p:spPr>
+          <a:xfrm>
+            <a:off x="168577" y="9158912"/>
+            <a:ext cx="11063221" cy="307777"/>
+          </a:xfrm>
+          <a:prstGeom prst="rect">
+            <a:avLst/>
+          </a:prstGeom>
+          <a:noFill/>
+        </p:spPr>
+        <p:txBody>
+          <a:bodyPr wrap="none" rtlCol="0">
+            <a:spAutoFit/>
+          </a:bodyPr>
+          <a:lstStyle/>
+          <a:p>
+            <a:r>
+              <a:rPr lang="en-US" sz="1400" dirty="0"/>
+              <a:t>All files and sources hosted in Git: </a:t>
+            </a:r>
+            <a:r>
+              <a:rPr lang="en-US" sz="1400" dirty="0">
+                <a:hlinkClick r:id="rId28"/>
+              </a:rPr>
+              <a:t>https://github.com/RiczWest/cv</a:t>
+            </a:r>
+            <a:r>
+              <a:rPr lang="en-US" sz="1400" dirty="0"/>
+              <a:t> – check here for latest version as I’m doing this iteratively and will update more </a:t>
+            </a:r>
+            <a:r>
+              <a:rPr lang="en-US" sz="1400" dirty="0">
+                <a:sym typeface="Wingdings" pitchFamily="2" charset="2"/>
+              </a:rPr>
+              <a:t>🙂</a:t>
+            </a:r>
+            <a:r>
+              <a:rPr lang="en-US" sz="1400" dirty="0"/>
+              <a:t> </a:t>
+            </a:r>
+          </a:p>
+        </p:txBody>
+      </p:sp>
     </p:spTree>
     <p:extLst>
       <p:ext uri="{BB962C8B-B14F-4D97-AF65-F5344CB8AC3E}">

--- a/cv2023.pptx
+++ b/cv2023.pptx
@@ -16469,7 +16469,17 @@
             </a:r>
             <a:r>
               <a:rPr lang="en-US" sz="1400" dirty="0"/>
-              <a:t> – check here for latest version as I’m doing this iteratively and will update more </a:t>
+              <a:t> – check here for </a:t>
+            </a:r>
+            <a:r>
+              <a:rPr lang="en-US" sz="1400" dirty="0">
+                <a:hlinkClick r:id="rId29"/>
+              </a:rPr>
+              <a:t>latest version</a:t>
+            </a:r>
+            <a:r>
+              <a:rPr lang="en-US" sz="1400" dirty="0"/>
+              <a:t> as I’m doing this iteratively and will update more </a:t>
             </a:r>
             <a:r>
               <a:rPr lang="en-US" sz="1400" dirty="0">

--- a/cv2023.pptx
+++ b/cv2023.pptx
@@ -16469,17 +16469,17 @@
             </a:r>
             <a:r>
               <a:rPr lang="en-US" sz="1400" dirty="0"/>
-              <a:t> – check here for </a:t>
+              <a:t> – </a:t>
             </a:r>
             <a:r>
               <a:rPr lang="en-US" sz="1400" dirty="0">
                 <a:hlinkClick r:id="rId29"/>
               </a:rPr>
-              <a:t>latest version</a:t>
+              <a:t>check here for latest version </a:t>
             </a:r>
             <a:r>
               <a:rPr lang="en-US" sz="1400" dirty="0"/>
-              <a:t> as I’m doing this iteratively and will update more </a:t>
+              <a:t>as I’m doing this iteratively and will update more </a:t>
             </a:r>
             <a:r>
               <a:rPr lang="en-US" sz="1400" dirty="0">

--- a/cv2023.pptx
+++ b/cv2023.pptx
@@ -9462,8 +9462,8 @@
         </p:nvSpPr>
         <p:spPr>
           <a:xfrm>
-            <a:off x="168577" y="529869"/>
-            <a:ext cx="12421360" cy="3785652"/>
+            <a:off x="168577" y="557862"/>
+            <a:ext cx="11448035" cy="3816429"/>
           </a:xfrm>
           <a:prstGeom prst="rect">
             <a:avLst/>
@@ -9733,7 +9733,24 @@
                 <a:ea typeface="Calibri" panose="020F0502020204030204" pitchFamily="34" charset="0"/>
                 <a:cs typeface="Times New Roman" panose="02020603050405020304" pitchFamily="18" charset="0"/>
               </a:rPr>
-              <a:t>6-8 figure programmes for companies such as Atlassian, CBA, NAB, Telstra, Thames Water, CGI / UK Smart Metering, Lloyds TSB, IFDS, XChanging, RSA, Vodafone, British Gas, Prudential, TNT, and BAE / Defence</a:t>
+              <a:t>6-8 figure programmes for companies such as Atlassian, CBA, NAB, Telstra, Thames Water, CGI / UK Smart</a:t>
+            </a:r>
+            <a:br>
+              <a:rPr lang="en-AU" sz="1600" dirty="0">
+                <a:effectLst/>
+                <a:latin typeface="Calibri" panose="020F0502020204030204" pitchFamily="34" charset="0"/>
+                <a:ea typeface="Calibri" panose="020F0502020204030204" pitchFamily="34" charset="0"/>
+                <a:cs typeface="Times New Roman" panose="02020603050405020304" pitchFamily="18" charset="0"/>
+              </a:rPr>
+            </a:br>
+            <a:r>
+              <a:rPr lang="en-AU" sz="1600" dirty="0">
+                <a:effectLst/>
+                <a:latin typeface="Calibri" panose="020F0502020204030204" pitchFamily="34" charset="0"/>
+                <a:ea typeface="Calibri" panose="020F0502020204030204" pitchFamily="34" charset="0"/>
+                <a:cs typeface="Times New Roman" panose="02020603050405020304" pitchFamily="18" charset="0"/>
+              </a:rPr>
+              <a:t>Metering, Lloyds TSB, IFDS, XChanging, RSA, Vodafone, British Gas, Prudential, TNT, and BAE / Defence</a:t>
             </a:r>
             <a:endParaRPr lang="en-AU" dirty="0">
               <a:effectLst/>
@@ -9835,8 +9852,8 @@
         </p:nvSpPr>
         <p:spPr bwMode="auto">
           <a:xfrm>
-            <a:off x="7128937" y="4724397"/>
-            <a:ext cx="5461000" cy="4293483"/>
+            <a:off x="7128936" y="4816730"/>
+            <a:ext cx="5672663" cy="4108817"/>
           </a:xfrm>
           <a:prstGeom prst="rect">
             <a:avLst/>
@@ -10261,7 +10278,7 @@
                 <a:ea typeface="Calibri" panose="020F0502020204030204" pitchFamily="34" charset="0"/>
                 <a:cs typeface="Times New Roman" panose="02020603050405020304" pitchFamily="18" charset="0"/>
               </a:rPr>
-              <a:t>  Cloud: Equal Azure and Amazon Web Services, with some IBM, Google and RedHat OpenShift</a:t>
+              <a:t>  Cloud: Equal Azure and Amazon Web Services, with some IBM, Google and OpenShift</a:t>
             </a:r>
             <a:endParaRPr kumimoji="0" lang="en-AU" altLang="en-US" sz="700" b="0" i="0" u="none" strike="noStrike" cap="none" normalizeH="0" baseline="0" dirty="0">
               <a:ln>
@@ -10837,7 +10854,7 @@
                 <a:ea typeface="Calibri" panose="020F0502020204030204" pitchFamily="34" charset="0"/>
                 <a:cs typeface="Times New Roman" panose="02020603050405020304" pitchFamily="18" charset="0"/>
               </a:rPr>
-              <a:t>  Soft Skills: Design Thinking, 6 Hats Thinking, Team Leadership, Mentoring, Communication</a:t>
+              <a:t>  Soft Skills: Design Thinking, 6 Hats Thinking, Team Leadership, Mentoring Communication</a:t>
             </a:r>
             <a:endParaRPr kumimoji="0" lang="en-AU" altLang="en-US" sz="700" b="0" i="0" u="none" strike="noStrike" cap="none" normalizeH="0" baseline="0" dirty="0">
               <a:ln>
@@ -11428,9 +11445,9 @@
         <p:grpSpPr>
           <a:xfrm>
             <a:off x="168577" y="166472"/>
-            <a:ext cx="12135053" cy="338554"/>
+            <a:ext cx="12464446" cy="338554"/>
             <a:chOff x="168577" y="166472"/>
-            <a:chExt cx="12135053" cy="338554"/>
+            <a:chExt cx="12428626" cy="338554"/>
           </a:xfrm>
         </p:grpSpPr>
         <p:sp>
@@ -11448,7 +11465,7 @@
           <p:spPr>
             <a:xfrm>
               <a:off x="168577" y="166472"/>
-              <a:ext cx="12135053" cy="338554"/>
+              <a:ext cx="12428626" cy="338554"/>
             </a:xfrm>
             <a:prstGeom prst="rect">
               <a:avLst/>
@@ -11456,14 +11473,14 @@
             <a:noFill/>
           </p:spPr>
           <p:txBody>
-            <a:bodyPr wrap="none" rtlCol="0">
+            <a:bodyPr wrap="square" rtlCol="0">
               <a:spAutoFit/>
             </a:bodyPr>
             <a:lstStyle/>
             <a:p>
               <a:r>
                 <a:rPr lang="en-US" sz="1600" dirty="0"/>
-                <a:t>Richard West – Poly Architect &amp; Future CTO :		  </a:t>
+                <a:t>Richard West – Poly Architect &amp; Future Chief Architect :		  </a:t>
               </a:r>
               <a:r>
                 <a:rPr lang="en-US" sz="1600" dirty="0">
@@ -11513,7 +11530,7 @@
           </p:blipFill>
           <p:spPr bwMode="auto">
             <a:xfrm>
-              <a:off x="4632557" y="260236"/>
+              <a:off x="5061793" y="260236"/>
               <a:ext cx="252712" cy="149289"/>
             </a:xfrm>
             <a:prstGeom prst="rect">
@@ -11552,7 +11569,7 @@
           </p:blipFill>
           <p:spPr>
             <a:xfrm>
-              <a:off x="8365066" y="256526"/>
+              <a:off x="8775721" y="256526"/>
               <a:ext cx="180594" cy="155448"/>
             </a:xfrm>
             <a:prstGeom prst="rect">
@@ -11589,7 +11606,7 @@
           </p:blipFill>
           <p:spPr bwMode="auto">
             <a:xfrm>
-              <a:off x="10591800" y="223835"/>
+              <a:off x="11021191" y="223835"/>
               <a:ext cx="225473" cy="225473"/>
             </a:xfrm>
             <a:prstGeom prst="rect">
@@ -11733,7 +11750,7 @@
         <p:spPr>
           <a:xfrm>
             <a:off x="7190341" y="9158912"/>
-            <a:ext cx="3897477" cy="307777"/>
+            <a:ext cx="5019579" cy="307777"/>
           </a:xfrm>
           <a:prstGeom prst="rect">
             <a:avLst/>
@@ -11748,7 +11765,7 @@
           <a:p>
             <a:r>
               <a:rPr lang="en-US" sz="1400" dirty="0"/>
-              <a:t>Text for this page from a </a:t>
+              <a:t>Text for this page from a                           </a:t>
             </a:r>
             <a:r>
               <a:rPr lang="en-US" sz="1400" dirty="0">
@@ -11783,14 +11800,161 @@
         </p:blipFill>
         <p:spPr>
           <a:xfrm>
-            <a:off x="11019370" y="9193585"/>
-            <a:ext cx="1430867" cy="252506"/>
+            <a:off x="9082164" y="9240245"/>
+            <a:ext cx="928037" cy="163771"/>
           </a:xfrm>
           <a:prstGeom prst="rect">
             <a:avLst/>
           </a:prstGeom>
         </p:spPr>
       </p:pic>
+      <p:sp>
+        <p:nvSpPr>
+          <p:cNvPr id="6" name="TextBox 5">
+            <a:extLst>
+              <a:ext uri="{FF2B5EF4-FFF2-40B4-BE49-F238E27FC236}">
+                <a16:creationId xmlns:a16="http://schemas.microsoft.com/office/drawing/2014/main" id="{6E6C8147-9797-54F0-2265-000B626D2D6D}"/>
+              </a:ext>
+            </a:extLst>
+          </p:cNvPr>
+          <p:cNvSpPr txBox="1"/>
+          <p:nvPr/>
+        </p:nvSpPr>
+        <p:spPr>
+          <a:xfrm>
+            <a:off x="9944714" y="1665857"/>
+            <a:ext cx="2667756" cy="2708434"/>
+          </a:xfrm>
+          <a:prstGeom prst="rect">
+            <a:avLst/>
+          </a:prstGeom>
+          <a:noFill/>
+        </p:spPr>
+        <p:txBody>
+          <a:bodyPr wrap="square" rtlCol="0">
+            <a:spAutoFit/>
+          </a:bodyPr>
+          <a:lstStyle/>
+          <a:p>
+            <a:r>
+              <a:rPr lang="en-US" sz="1000" b="1" dirty="0"/>
+              <a:t>Certifications</a:t>
+            </a:r>
+            <a:r>
+              <a:rPr lang="en-US" sz="1000" dirty="0"/>
+              <a:t>	</a:t>
+            </a:r>
+          </a:p>
+          <a:p>
+            <a:pPr marL="171450" indent="-171450">
+              <a:buFont typeface="Arial" panose="020B0604020202020204" pitchFamily="34" charset="0"/>
+              <a:buChar char="•"/>
+            </a:pPr>
+            <a:r>
+              <a:rPr lang="en-US" sz="1000" dirty="0"/>
+              <a:t>Certified Scrum Master - Scrum Alliance</a:t>
+            </a:r>
+          </a:p>
+          <a:p>
+            <a:pPr marL="171450" indent="-171450">
+              <a:buFont typeface="Arial" panose="020B0604020202020204" pitchFamily="34" charset="0"/>
+              <a:buChar char="•"/>
+            </a:pPr>
+            <a:r>
+              <a:rPr lang="en-US" sz="1000" dirty="0"/>
+              <a:t>The Open Group Architecture Framework</a:t>
+            </a:r>
+          </a:p>
+          <a:p>
+            <a:pPr marL="171450" indent="-171450">
+              <a:buFont typeface="Arial" panose="020B0604020202020204" pitchFamily="34" charset="0"/>
+              <a:buChar char="•"/>
+            </a:pPr>
+            <a:r>
+              <a:rPr lang="en-US" sz="1000" dirty="0"/>
+              <a:t>Kanban Certified Practitioner	 </a:t>
+            </a:r>
+          </a:p>
+          <a:p>
+            <a:pPr marL="171450" indent="-171450">
+              <a:buFont typeface="Arial" panose="020B0604020202020204" pitchFamily="34" charset="0"/>
+              <a:buChar char="•"/>
+            </a:pPr>
+            <a:r>
+              <a:rPr lang="en-US" sz="1000" dirty="0"/>
+              <a:t>Rational Unified Process</a:t>
+            </a:r>
+          </a:p>
+          <a:p>
+            <a:pPr marL="171450" indent="-171450">
+              <a:buFont typeface="Arial" panose="020B0604020202020204" pitchFamily="34" charset="0"/>
+              <a:buChar char="•"/>
+            </a:pPr>
+            <a:r>
+              <a:rPr lang="en-US" sz="1000" dirty="0"/>
+              <a:t>Kepner-Tregoe Project Management</a:t>
+            </a:r>
+          </a:p>
+          <a:p>
+            <a:endParaRPr lang="en-US" sz="1000" dirty="0"/>
+          </a:p>
+          <a:p>
+            <a:r>
+              <a:rPr lang="en-US" sz="1000" b="1" dirty="0"/>
+              <a:t>Member</a:t>
+            </a:r>
+          </a:p>
+          <a:p>
+            <a:pPr marL="171450" indent="-171450">
+              <a:buFont typeface="Arial" panose="020B0604020202020204" pitchFamily="34" charset="0"/>
+              <a:buChar char="•"/>
+            </a:pPr>
+            <a:r>
+              <a:rPr lang="en-US" sz="1000" dirty="0"/>
+              <a:t>Association of Computing Machinery (ACM)</a:t>
+            </a:r>
+          </a:p>
+          <a:p>
+            <a:pPr marL="171450" indent="-171450">
+              <a:buFont typeface="Arial" panose="020B0604020202020204" pitchFamily="34" charset="0"/>
+              <a:buChar char="•"/>
+            </a:pPr>
+            <a:r>
+              <a:rPr lang="en-US" sz="1000" dirty="0"/>
+              <a:t>Australian Computer Society (ACS)</a:t>
+            </a:r>
+          </a:p>
+          <a:p>
+            <a:endParaRPr lang="en-US" sz="1000" dirty="0"/>
+          </a:p>
+          <a:p>
+            <a:r>
+              <a:rPr lang="en-US" sz="1000" b="1" dirty="0"/>
+              <a:t>Education</a:t>
+            </a:r>
+          </a:p>
+          <a:p>
+            <a:pPr marL="171450" indent="-171450">
+              <a:buFont typeface="Arial" panose="020B0604020202020204" pitchFamily="34" charset="0"/>
+              <a:buChar char="•"/>
+            </a:pPr>
+            <a:r>
+              <a:rPr lang="en-US" sz="1000" dirty="0"/>
+              <a:t>Bachelor of Science in Computer and Instrumental Science: Swinburne University of Technology, Australia</a:t>
+            </a:r>
+          </a:p>
+          <a:p>
+            <a:pPr marL="171450" indent="-171450">
+              <a:buFont typeface="Arial" panose="020B0604020202020204" pitchFamily="34" charset="0"/>
+              <a:buChar char="•"/>
+            </a:pPr>
+            <a:r>
+              <a:rPr lang="en-US" sz="1000" dirty="0"/>
+              <a:t>HSC at Camberwell Grammar School, Victoria, Australia</a:t>
+            </a:r>
+          </a:p>
+        </p:txBody>
+      </p:sp>
     </p:spTree>
     <p:extLst>
       <p:ext uri="{BB962C8B-B14F-4D97-AF65-F5344CB8AC3E}">
@@ -12335,8 +12499,8 @@
           </p:nvSpPr>
           <p:spPr>
             <a:xfrm>
-              <a:off x="6252542" y="5211004"/>
-              <a:ext cx="6079870" cy="663836"/>
+              <a:off x="6256860" y="5003656"/>
+              <a:ext cx="6079870" cy="848502"/>
             </a:xfrm>
             <a:prstGeom prst="rect">
               <a:avLst/>
@@ -12348,6 +12512,37 @@
               <a:spAutoFit/>
             </a:bodyPr>
             <a:lstStyle/>
+            <a:p>
+              <a:pPr>
+                <a:lnSpc>
+                  <a:spcPct val="50000"/>
+                </a:lnSpc>
+              </a:pPr>
+              <a:endParaRPr lang="en-US" sz="1200" dirty="0">
+                <a:solidFill>
+                  <a:schemeClr val="bg2">
+                    <a:lumMod val="50000"/>
+                  </a:schemeClr>
+                </a:solidFill>
+              </a:endParaRPr>
+            </a:p>
+            <a:p>
+              <a:pPr>
+                <a:lnSpc>
+                  <a:spcPct val="50000"/>
+                </a:lnSpc>
+              </a:pPr>
+              <a:r>
+                <a:rPr lang="en-US" sz="1200" dirty="0">
+                  <a:solidFill>
+                    <a:schemeClr val="bg2">
+                      <a:lumMod val="50000"/>
+                    </a:schemeClr>
+                  </a:solidFill>
+                </a:rPr>
+                <a:t>•	Built and managed teams of up to 20 Architects and Developers</a:t>
+              </a:r>
+            </a:p>
             <a:p>
               <a:pPr>
                 <a:lnSpc>
@@ -16240,195 +16435,6 @@
           </a:p>
         </p:txBody>
       </p:sp>
-      <p:grpSp>
-        <p:nvGrpSpPr>
-          <p:cNvPr id="3" name="Group 2">
-            <a:extLst>
-              <a:ext uri="{FF2B5EF4-FFF2-40B4-BE49-F238E27FC236}">
-                <a16:creationId xmlns:a16="http://schemas.microsoft.com/office/drawing/2014/main" id="{54C0C705-9CE2-C886-048C-5BA26332FA38}"/>
-              </a:ext>
-            </a:extLst>
-          </p:cNvPr>
-          <p:cNvGrpSpPr/>
-          <p:nvPr/>
-        </p:nvGrpSpPr>
-        <p:grpSpPr>
-          <a:xfrm>
-            <a:off x="168577" y="166472"/>
-            <a:ext cx="12135053" cy="338554"/>
-            <a:chOff x="168577" y="166472"/>
-            <a:chExt cx="12135053" cy="338554"/>
-          </a:xfrm>
-        </p:grpSpPr>
-        <p:sp>
-          <p:nvSpPr>
-            <p:cNvPr id="4" name="TextBox 3">
-              <a:extLst>
-                <a:ext uri="{FF2B5EF4-FFF2-40B4-BE49-F238E27FC236}">
-                  <a16:creationId xmlns:a16="http://schemas.microsoft.com/office/drawing/2014/main" id="{A17F4816-26F2-0F41-03AA-4086AEE62321}"/>
-                </a:ext>
-              </a:extLst>
-            </p:cNvPr>
-            <p:cNvSpPr txBox="1"/>
-            <p:nvPr/>
-          </p:nvSpPr>
-          <p:spPr>
-            <a:xfrm>
-              <a:off x="168577" y="166472"/>
-              <a:ext cx="12135053" cy="338554"/>
-            </a:xfrm>
-            <a:prstGeom prst="rect">
-              <a:avLst/>
-            </a:prstGeom>
-            <a:noFill/>
-          </p:spPr>
-          <p:txBody>
-            <a:bodyPr wrap="none" rtlCol="0">
-              <a:spAutoFit/>
-            </a:bodyPr>
-            <a:lstStyle/>
-            <a:p>
-              <a:r>
-                <a:rPr lang="en-US" sz="1600" dirty="0"/>
-                <a:t>Richard West – Poly Architect &amp; Future CTO :		  </a:t>
-              </a:r>
-              <a:r>
-                <a:rPr lang="en-US" sz="1600" dirty="0">
-                  <a:hlinkClick r:id="rId24"/>
-                </a:rPr>
-                <a:t>https://www.linkedin.com/in/rwest/</a:t>
-              </a:r>
-              <a:r>
-                <a:rPr lang="en-US" sz="1600" dirty="0"/>
-                <a:t> 		  </a:t>
-              </a:r>
-              <a:r>
-                <a:rPr lang="en-US" sz="1600" dirty="0" err="1"/>
-                <a:t>r.west@me.com</a:t>
-              </a:r>
-              <a:r>
-                <a:rPr lang="en-US" sz="1600" dirty="0"/>
-                <a:t>		 0421 499 3259 </a:t>
-              </a:r>
-            </a:p>
-          </p:txBody>
-        </p:sp>
-        <p:pic>
-          <p:nvPicPr>
-            <p:cNvPr id="6" name="Picture 5" descr="Shape&#10;&#10;Description automatically generated with low confidence">
-              <a:extLst>
-                <a:ext uri="{FF2B5EF4-FFF2-40B4-BE49-F238E27FC236}">
-                  <a16:creationId xmlns:a16="http://schemas.microsoft.com/office/drawing/2014/main" id="{823BDA5F-9C14-F109-6ADE-783C70013160}"/>
-                </a:ext>
-              </a:extLst>
-            </p:cNvPr>
-            <p:cNvPicPr>
-              <a:picLocks noChangeAspect="1"/>
-            </p:cNvPicPr>
-            <p:nvPr/>
-          </p:nvPicPr>
-          <p:blipFill rotWithShape="1">
-            <a:blip r:embed="rId25">
-              <a:extLst>
-                <a:ext uri="{28A0092B-C50C-407E-A947-70E740481C1C}">
-                  <a14:useLocalDpi xmlns:a14="http://schemas.microsoft.com/office/drawing/2010/main" val="0"/>
-                </a:ext>
-              </a:extLst>
-            </a:blip>
-            <a:srcRect t="18267" b="22466"/>
-            <a:stretch/>
-          </p:blipFill>
-          <p:spPr bwMode="auto">
-            <a:xfrm>
-              <a:off x="4632557" y="260236"/>
-              <a:ext cx="252712" cy="149289"/>
-            </a:xfrm>
-            <a:prstGeom prst="rect">
-              <a:avLst/>
-            </a:prstGeom>
-            <a:noFill/>
-            <a:ln>
-              <a:noFill/>
-            </a:ln>
-            <a:extLst>
-              <a:ext uri="{53640926-AAD7-44D8-BBD7-CCE9431645EC}">
-                <a14:shadowObscured xmlns:a14="http://schemas.microsoft.com/office/drawing/2010/main"/>
-              </a:ext>
-            </a:extLst>
-          </p:spPr>
-        </p:pic>
-        <p:pic>
-          <p:nvPicPr>
-            <p:cNvPr id="10" name="Picture 9" descr="Icon&#10;&#10;Description automatically generated">
-              <a:extLst>
-                <a:ext uri="{FF2B5EF4-FFF2-40B4-BE49-F238E27FC236}">
-                  <a16:creationId xmlns:a16="http://schemas.microsoft.com/office/drawing/2014/main" id="{8A4E47D0-209D-CECB-5885-09A8C7A6162D}"/>
-                </a:ext>
-              </a:extLst>
-            </p:cNvPr>
-            <p:cNvPicPr>
-              <a:picLocks noChangeAspect="1"/>
-            </p:cNvPicPr>
-            <p:nvPr/>
-          </p:nvPicPr>
-          <p:blipFill>
-            <a:blip r:embed="rId26"/>
-            <a:stretch>
-              <a:fillRect/>
-            </a:stretch>
-          </p:blipFill>
-          <p:spPr>
-            <a:xfrm>
-              <a:off x="8365066" y="256526"/>
-              <a:ext cx="180594" cy="155448"/>
-            </a:xfrm>
-            <a:prstGeom prst="rect">
-              <a:avLst/>
-            </a:prstGeom>
-          </p:spPr>
-        </p:pic>
-        <p:pic>
-          <p:nvPicPr>
-            <p:cNvPr id="11" name="Picture 10" descr="Shape&#10;&#10;Description automatically generated with low confidence">
-              <a:extLst>
-                <a:ext uri="{FF2B5EF4-FFF2-40B4-BE49-F238E27FC236}">
-                  <a16:creationId xmlns:a16="http://schemas.microsoft.com/office/drawing/2014/main" id="{BBC4EB9B-2BB6-B870-5094-229AA9C6688F}"/>
-                </a:ext>
-              </a:extLst>
-            </p:cNvPr>
-            <p:cNvPicPr>
-              <a:picLocks noChangeAspect="1"/>
-            </p:cNvPicPr>
-            <p:nvPr/>
-          </p:nvPicPr>
-          <p:blipFill>
-            <a:blip r:embed="rId27">
-              <a:extLst>
-                <a:ext uri="{28A0092B-C50C-407E-A947-70E740481C1C}">
-                  <a14:useLocalDpi xmlns:a14="http://schemas.microsoft.com/office/drawing/2010/main" val="0"/>
-                </a:ext>
-              </a:extLst>
-            </a:blip>
-            <a:srcRect/>
-            <a:stretch>
-              <a:fillRect/>
-            </a:stretch>
-          </p:blipFill>
-          <p:spPr bwMode="auto">
-            <a:xfrm>
-              <a:off x="10591800" y="223835"/>
-              <a:ext cx="225473" cy="225473"/>
-            </a:xfrm>
-            <a:prstGeom prst="rect">
-              <a:avLst/>
-            </a:prstGeom>
-            <a:noFill/>
-            <a:ln>
-              <a:noFill/>
-            </a:ln>
-          </p:spPr>
-        </p:pic>
-      </p:grpSp>
       <p:sp>
         <p:nvSpPr>
           <p:cNvPr id="12" name="TextBox 11">
@@ -16463,7 +16469,7 @@
             </a:r>
             <a:r>
               <a:rPr lang="en-US" sz="1400" dirty="0">
-                <a:hlinkClick r:id="rId28"/>
+                <a:hlinkClick r:id="rId24"/>
               </a:rPr>
               <a:t>https://github.com/RiczWest/cv</a:t>
             </a:r>
@@ -16473,7 +16479,7 @@
             </a:r>
             <a:r>
               <a:rPr lang="en-US" sz="1400" dirty="0">
-                <a:hlinkClick r:id="rId29"/>
+                <a:hlinkClick r:id="rId25"/>
               </a:rPr>
               <a:t>check here for latest version </a:t>
             </a:r>
@@ -16494,6 +16500,195 @@
           </a:p>
         </p:txBody>
       </p:sp>
+      <p:grpSp>
+        <p:nvGrpSpPr>
+          <p:cNvPr id="14" name="Group 13">
+            <a:extLst>
+              <a:ext uri="{FF2B5EF4-FFF2-40B4-BE49-F238E27FC236}">
+                <a16:creationId xmlns:a16="http://schemas.microsoft.com/office/drawing/2014/main" id="{C166F2CF-7F09-3A56-F7B8-4D40AF355EB9}"/>
+              </a:ext>
+            </a:extLst>
+          </p:cNvPr>
+          <p:cNvGrpSpPr/>
+          <p:nvPr/>
+        </p:nvGrpSpPr>
+        <p:grpSpPr>
+          <a:xfrm>
+            <a:off x="168577" y="166472"/>
+            <a:ext cx="12464446" cy="338554"/>
+            <a:chOff x="168577" y="166472"/>
+            <a:chExt cx="12428626" cy="338554"/>
+          </a:xfrm>
+        </p:grpSpPr>
+        <p:sp>
+          <p:nvSpPr>
+            <p:cNvPr id="15" name="TextBox 14">
+              <a:extLst>
+                <a:ext uri="{FF2B5EF4-FFF2-40B4-BE49-F238E27FC236}">
+                  <a16:creationId xmlns:a16="http://schemas.microsoft.com/office/drawing/2014/main" id="{8CCCE981-9CA5-1ACD-9DC5-78FB0D64531A}"/>
+                </a:ext>
+              </a:extLst>
+            </p:cNvPr>
+            <p:cNvSpPr txBox="1"/>
+            <p:nvPr/>
+          </p:nvSpPr>
+          <p:spPr>
+            <a:xfrm>
+              <a:off x="168577" y="166472"/>
+              <a:ext cx="12428626" cy="338554"/>
+            </a:xfrm>
+            <a:prstGeom prst="rect">
+              <a:avLst/>
+            </a:prstGeom>
+            <a:noFill/>
+          </p:spPr>
+          <p:txBody>
+            <a:bodyPr wrap="square" rtlCol="0">
+              <a:spAutoFit/>
+            </a:bodyPr>
+            <a:lstStyle/>
+            <a:p>
+              <a:r>
+                <a:rPr lang="en-US" sz="1600" dirty="0"/>
+                <a:t>Richard West – Poly Architect &amp; Future Chief Architect :		  </a:t>
+              </a:r>
+              <a:r>
+                <a:rPr lang="en-US" sz="1600" dirty="0">
+                  <a:hlinkClick r:id="rId26"/>
+                </a:rPr>
+                <a:t>https://www.linkedin.com/in/rwest/</a:t>
+              </a:r>
+              <a:r>
+                <a:rPr lang="en-US" sz="1600" dirty="0"/>
+                <a:t> 		  </a:t>
+              </a:r>
+              <a:r>
+                <a:rPr lang="en-US" sz="1600" dirty="0" err="1"/>
+                <a:t>r.west@me.com</a:t>
+              </a:r>
+              <a:r>
+                <a:rPr lang="en-US" sz="1600" dirty="0"/>
+                <a:t>		 0421 499 3259 </a:t>
+              </a:r>
+            </a:p>
+          </p:txBody>
+        </p:sp>
+        <p:pic>
+          <p:nvPicPr>
+            <p:cNvPr id="16" name="Picture 15" descr="Shape&#10;&#10;Description automatically generated with low confidence">
+              <a:extLst>
+                <a:ext uri="{FF2B5EF4-FFF2-40B4-BE49-F238E27FC236}">
+                  <a16:creationId xmlns:a16="http://schemas.microsoft.com/office/drawing/2014/main" id="{103AB9A9-2B51-BBCC-F55C-BF8AFA29176B}"/>
+                </a:ext>
+              </a:extLst>
+            </p:cNvPr>
+            <p:cNvPicPr>
+              <a:picLocks noChangeAspect="1"/>
+            </p:cNvPicPr>
+            <p:nvPr/>
+          </p:nvPicPr>
+          <p:blipFill rotWithShape="1">
+            <a:blip r:embed="rId27">
+              <a:extLst>
+                <a:ext uri="{28A0092B-C50C-407E-A947-70E740481C1C}">
+                  <a14:useLocalDpi xmlns:a14="http://schemas.microsoft.com/office/drawing/2010/main" val="0"/>
+                </a:ext>
+              </a:extLst>
+            </a:blip>
+            <a:srcRect t="18267" b="22466"/>
+            <a:stretch/>
+          </p:blipFill>
+          <p:spPr bwMode="auto">
+            <a:xfrm>
+              <a:off x="5061793" y="260236"/>
+              <a:ext cx="252712" cy="149289"/>
+            </a:xfrm>
+            <a:prstGeom prst="rect">
+              <a:avLst/>
+            </a:prstGeom>
+            <a:noFill/>
+            <a:ln>
+              <a:noFill/>
+            </a:ln>
+            <a:extLst>
+              <a:ext uri="{53640926-AAD7-44D8-BBD7-CCE9431645EC}">
+                <a14:shadowObscured xmlns:a14="http://schemas.microsoft.com/office/drawing/2010/main"/>
+              </a:ext>
+            </a:extLst>
+          </p:spPr>
+        </p:pic>
+        <p:pic>
+          <p:nvPicPr>
+            <p:cNvPr id="17" name="Picture 16" descr="Icon&#10;&#10;Description automatically generated">
+              <a:extLst>
+                <a:ext uri="{FF2B5EF4-FFF2-40B4-BE49-F238E27FC236}">
+                  <a16:creationId xmlns:a16="http://schemas.microsoft.com/office/drawing/2014/main" id="{811BCB82-F85D-F828-2595-C4C3CCAA4A8D}"/>
+                </a:ext>
+              </a:extLst>
+            </p:cNvPr>
+            <p:cNvPicPr>
+              <a:picLocks noChangeAspect="1"/>
+            </p:cNvPicPr>
+            <p:nvPr/>
+          </p:nvPicPr>
+          <p:blipFill>
+            <a:blip r:embed="rId28"/>
+            <a:stretch>
+              <a:fillRect/>
+            </a:stretch>
+          </p:blipFill>
+          <p:spPr>
+            <a:xfrm>
+              <a:off x="8775721" y="256526"/>
+              <a:ext cx="180594" cy="155448"/>
+            </a:xfrm>
+            <a:prstGeom prst="rect">
+              <a:avLst/>
+            </a:prstGeom>
+          </p:spPr>
+        </p:pic>
+        <p:pic>
+          <p:nvPicPr>
+            <p:cNvPr id="18" name="Picture 17" descr="Shape&#10;&#10;Description automatically generated with low confidence">
+              <a:extLst>
+                <a:ext uri="{FF2B5EF4-FFF2-40B4-BE49-F238E27FC236}">
+                  <a16:creationId xmlns:a16="http://schemas.microsoft.com/office/drawing/2014/main" id="{546F1C29-702F-4D17-F334-BD6EED0762C7}"/>
+                </a:ext>
+              </a:extLst>
+            </p:cNvPr>
+            <p:cNvPicPr>
+              <a:picLocks noChangeAspect="1"/>
+            </p:cNvPicPr>
+            <p:nvPr/>
+          </p:nvPicPr>
+          <p:blipFill>
+            <a:blip r:embed="rId29">
+              <a:extLst>
+                <a:ext uri="{28A0092B-C50C-407E-A947-70E740481C1C}">
+                  <a14:useLocalDpi xmlns:a14="http://schemas.microsoft.com/office/drawing/2010/main" val="0"/>
+                </a:ext>
+              </a:extLst>
+            </a:blip>
+            <a:srcRect/>
+            <a:stretch>
+              <a:fillRect/>
+            </a:stretch>
+          </p:blipFill>
+          <p:spPr bwMode="auto">
+            <a:xfrm>
+              <a:off x="11021191" y="223835"/>
+              <a:ext cx="225473" cy="225473"/>
+            </a:xfrm>
+            <a:prstGeom prst="rect">
+              <a:avLst/>
+            </a:prstGeom>
+            <a:noFill/>
+            <a:ln>
+              <a:noFill/>
+            </a:ln>
+          </p:spPr>
+        </p:pic>
+      </p:grpSp>
     </p:spTree>
     <p:extLst>
       <p:ext uri="{BB962C8B-B14F-4D97-AF65-F5344CB8AC3E}">

--- a/cv2023.pptx
+++ b/cv2023.pptx
@@ -11430,195 +11430,6 @@
           </a:p>
         </p:txBody>
       </p:sp>
-      <p:grpSp>
-        <p:nvGrpSpPr>
-          <p:cNvPr id="12" name="Group 11">
-            <a:extLst>
-              <a:ext uri="{FF2B5EF4-FFF2-40B4-BE49-F238E27FC236}">
-                <a16:creationId xmlns:a16="http://schemas.microsoft.com/office/drawing/2014/main" id="{5800F541-3E58-31B5-9D0C-C4F78A45B60B}"/>
-              </a:ext>
-            </a:extLst>
-          </p:cNvPr>
-          <p:cNvGrpSpPr/>
-          <p:nvPr/>
-        </p:nvGrpSpPr>
-        <p:grpSpPr>
-          <a:xfrm>
-            <a:off x="168577" y="166472"/>
-            <a:ext cx="12464446" cy="338554"/>
-            <a:chOff x="168577" y="166472"/>
-            <a:chExt cx="12428626" cy="338554"/>
-          </a:xfrm>
-        </p:grpSpPr>
-        <p:sp>
-          <p:nvSpPr>
-            <p:cNvPr id="8" name="TextBox 7">
-              <a:extLst>
-                <a:ext uri="{FF2B5EF4-FFF2-40B4-BE49-F238E27FC236}">
-                  <a16:creationId xmlns:a16="http://schemas.microsoft.com/office/drawing/2014/main" id="{F4B567B0-4847-5BD0-2D2F-81419792128E}"/>
-                </a:ext>
-              </a:extLst>
-            </p:cNvPr>
-            <p:cNvSpPr txBox="1"/>
-            <p:nvPr/>
-          </p:nvSpPr>
-          <p:spPr>
-            <a:xfrm>
-              <a:off x="168577" y="166472"/>
-              <a:ext cx="12428626" cy="338554"/>
-            </a:xfrm>
-            <a:prstGeom prst="rect">
-              <a:avLst/>
-            </a:prstGeom>
-            <a:noFill/>
-          </p:spPr>
-          <p:txBody>
-            <a:bodyPr wrap="square" rtlCol="0">
-              <a:spAutoFit/>
-            </a:bodyPr>
-            <a:lstStyle/>
-            <a:p>
-              <a:r>
-                <a:rPr lang="en-US" sz="1600" dirty="0"/>
-                <a:t>Richard West – Poly Architect &amp; Future Chief Architect :		  </a:t>
-              </a:r>
-              <a:r>
-                <a:rPr lang="en-US" sz="1600" dirty="0">
-                  <a:hlinkClick r:id="rId2"/>
-                </a:rPr>
-                <a:t>https://www.linkedin.com/in/rwest/</a:t>
-              </a:r>
-              <a:r>
-                <a:rPr lang="en-US" sz="1600" dirty="0"/>
-                <a:t> 		  </a:t>
-              </a:r>
-              <a:r>
-                <a:rPr lang="en-US" sz="1600" dirty="0" err="1"/>
-                <a:t>r.west@me.com</a:t>
-              </a:r>
-              <a:r>
-                <a:rPr lang="en-US" sz="1600" dirty="0"/>
-                <a:t>		 0421 499 3259 </a:t>
-              </a:r>
-            </a:p>
-          </p:txBody>
-        </p:sp>
-        <p:pic>
-          <p:nvPicPr>
-            <p:cNvPr id="9" name="Picture 8" descr="Shape&#10;&#10;Description automatically generated with low confidence">
-              <a:extLst>
-                <a:ext uri="{FF2B5EF4-FFF2-40B4-BE49-F238E27FC236}">
-                  <a16:creationId xmlns:a16="http://schemas.microsoft.com/office/drawing/2014/main" id="{2C209735-D401-D450-5A2E-C8492F446E55}"/>
-                </a:ext>
-              </a:extLst>
-            </p:cNvPr>
-            <p:cNvPicPr>
-              <a:picLocks noChangeAspect="1"/>
-            </p:cNvPicPr>
-            <p:nvPr/>
-          </p:nvPicPr>
-          <p:blipFill rotWithShape="1">
-            <a:blip r:embed="rId3">
-              <a:extLst>
-                <a:ext uri="{28A0092B-C50C-407E-A947-70E740481C1C}">
-                  <a14:useLocalDpi xmlns:a14="http://schemas.microsoft.com/office/drawing/2010/main" val="0"/>
-                </a:ext>
-              </a:extLst>
-            </a:blip>
-            <a:srcRect t="18267" b="22466"/>
-            <a:stretch/>
-          </p:blipFill>
-          <p:spPr bwMode="auto">
-            <a:xfrm>
-              <a:off x="5061793" y="260236"/>
-              <a:ext cx="252712" cy="149289"/>
-            </a:xfrm>
-            <a:prstGeom prst="rect">
-              <a:avLst/>
-            </a:prstGeom>
-            <a:noFill/>
-            <a:ln>
-              <a:noFill/>
-            </a:ln>
-            <a:extLst>
-              <a:ext uri="{53640926-AAD7-44D8-BBD7-CCE9431645EC}">
-                <a14:shadowObscured xmlns:a14="http://schemas.microsoft.com/office/drawing/2010/main"/>
-              </a:ext>
-            </a:extLst>
-          </p:spPr>
-        </p:pic>
-        <p:pic>
-          <p:nvPicPr>
-            <p:cNvPr id="10" name="Picture 9" descr="Icon&#10;&#10;Description automatically generated">
-              <a:extLst>
-                <a:ext uri="{FF2B5EF4-FFF2-40B4-BE49-F238E27FC236}">
-                  <a16:creationId xmlns:a16="http://schemas.microsoft.com/office/drawing/2014/main" id="{4A84BFF8-261B-4E63-2572-906FF3B98A85}"/>
-                </a:ext>
-              </a:extLst>
-            </p:cNvPr>
-            <p:cNvPicPr>
-              <a:picLocks noChangeAspect="1"/>
-            </p:cNvPicPr>
-            <p:nvPr/>
-          </p:nvPicPr>
-          <p:blipFill>
-            <a:blip r:embed="rId4"/>
-            <a:stretch>
-              <a:fillRect/>
-            </a:stretch>
-          </p:blipFill>
-          <p:spPr>
-            <a:xfrm>
-              <a:off x="8775721" y="256526"/>
-              <a:ext cx="180594" cy="155448"/>
-            </a:xfrm>
-            <a:prstGeom prst="rect">
-              <a:avLst/>
-            </a:prstGeom>
-          </p:spPr>
-        </p:pic>
-        <p:pic>
-          <p:nvPicPr>
-            <p:cNvPr id="11" name="Picture 10" descr="Shape&#10;&#10;Description automatically generated with low confidence">
-              <a:extLst>
-                <a:ext uri="{FF2B5EF4-FFF2-40B4-BE49-F238E27FC236}">
-                  <a16:creationId xmlns:a16="http://schemas.microsoft.com/office/drawing/2014/main" id="{8DE0345F-6669-A23B-A910-59436288CD23}"/>
-                </a:ext>
-              </a:extLst>
-            </p:cNvPr>
-            <p:cNvPicPr>
-              <a:picLocks noChangeAspect="1"/>
-            </p:cNvPicPr>
-            <p:nvPr/>
-          </p:nvPicPr>
-          <p:blipFill>
-            <a:blip r:embed="rId5">
-              <a:extLst>
-                <a:ext uri="{28A0092B-C50C-407E-A947-70E740481C1C}">
-                  <a14:useLocalDpi xmlns:a14="http://schemas.microsoft.com/office/drawing/2010/main" val="0"/>
-                </a:ext>
-              </a:extLst>
-            </a:blip>
-            <a:srcRect/>
-            <a:stretch>
-              <a:fillRect/>
-            </a:stretch>
-          </p:blipFill>
-          <p:spPr bwMode="auto">
-            <a:xfrm>
-              <a:off x="11021191" y="223835"/>
-              <a:ext cx="225473" cy="225473"/>
-            </a:xfrm>
-            <a:prstGeom prst="rect">
-              <a:avLst/>
-            </a:prstGeom>
-            <a:noFill/>
-            <a:ln>
-              <a:noFill/>
-            </a:ln>
-          </p:spPr>
-        </p:pic>
-      </p:grpSp>
       <p:sp>
         <p:nvSpPr>
           <p:cNvPr id="4" name="TextBox 3">
@@ -11675,7 +11486,7 @@
           <p:nvPr/>
         </p:nvPicPr>
         <p:blipFill>
-          <a:blip r:embed="rId6"/>
+          <a:blip r:embed="rId2"/>
           <a:stretch>
             <a:fillRect/>
           </a:stretch>
@@ -11724,7 +11535,7 @@
             </a:r>
             <a:r>
               <a:rPr lang="en-US" sz="1400" dirty="0">
-                <a:hlinkClick r:id="rId7"/>
+                <a:hlinkClick r:id="rId3"/>
               </a:rPr>
               <a:t>https://riczwest.github.io/cv/browse/index.html</a:t>
             </a:r>
@@ -11769,7 +11580,7 @@
             </a:r>
             <a:r>
               <a:rPr lang="en-US" sz="1400" dirty="0">
-                <a:hlinkClick r:id="rId8"/>
+                <a:hlinkClick r:id="rId4"/>
               </a:rPr>
               <a:t>Markup/Python notebook</a:t>
             </a:r>
@@ -11780,7 +11591,7 @@
       <p:pic>
         <p:nvPicPr>
           <p:cNvPr id="17" name="Picture 16">
-            <a:hlinkClick r:id="rId8"/>
+            <a:hlinkClick r:id="rId4"/>
             <a:extLst>
               <a:ext uri="{FF2B5EF4-FFF2-40B4-BE49-F238E27FC236}">
                 <a16:creationId xmlns:a16="http://schemas.microsoft.com/office/drawing/2014/main" id="{36B69EA2-81EE-56CF-C676-BC49F062753D}"/>
@@ -11793,7 +11604,7 @@
           <p:nvPr/>
         </p:nvPicPr>
         <p:blipFill>
-          <a:blip r:embed="rId9"/>
+          <a:blip r:embed="rId5"/>
           <a:stretch>
             <a:fillRect/>
           </a:stretch>
@@ -11955,6 +11766,201 @@
           </a:p>
         </p:txBody>
       </p:sp>
+      <p:grpSp>
+        <p:nvGrpSpPr>
+          <p:cNvPr id="2" name="Group 1">
+            <a:extLst>
+              <a:ext uri="{FF2B5EF4-FFF2-40B4-BE49-F238E27FC236}">
+                <a16:creationId xmlns:a16="http://schemas.microsoft.com/office/drawing/2014/main" id="{E91C5DB4-1ECD-19E7-D447-B14631E73A4B}"/>
+              </a:ext>
+            </a:extLst>
+          </p:cNvPr>
+          <p:cNvGrpSpPr/>
+          <p:nvPr/>
+        </p:nvGrpSpPr>
+        <p:grpSpPr>
+          <a:xfrm>
+            <a:off x="168577" y="166472"/>
+            <a:ext cx="12464446" cy="338554"/>
+            <a:chOff x="238260" y="166472"/>
+            <a:chExt cx="12358943" cy="338554"/>
+          </a:xfrm>
+        </p:grpSpPr>
+        <p:sp>
+          <p:nvSpPr>
+            <p:cNvPr id="3" name="TextBox 2">
+              <a:extLst>
+                <a:ext uri="{FF2B5EF4-FFF2-40B4-BE49-F238E27FC236}">
+                  <a16:creationId xmlns:a16="http://schemas.microsoft.com/office/drawing/2014/main" id="{1E47E64D-44FC-514E-D30C-D0E0101EEB2D}"/>
+                </a:ext>
+              </a:extLst>
+            </p:cNvPr>
+            <p:cNvSpPr txBox="1"/>
+            <p:nvPr/>
+          </p:nvSpPr>
+          <p:spPr>
+            <a:xfrm>
+              <a:off x="238260" y="166472"/>
+              <a:ext cx="12358943" cy="338554"/>
+            </a:xfrm>
+            <a:prstGeom prst="rect">
+              <a:avLst/>
+            </a:prstGeom>
+            <a:noFill/>
+          </p:spPr>
+          <p:txBody>
+            <a:bodyPr wrap="square" rtlCol="0">
+              <a:spAutoFit/>
+            </a:bodyPr>
+            <a:lstStyle/>
+            <a:p>
+              <a:r>
+                <a:rPr lang="en-US" sz="1600" b="1" dirty="0"/>
+                <a:t>Richard West </a:t>
+              </a:r>
+              <a:r>
+                <a:rPr lang="en-US" sz="1600" dirty="0"/>
+                <a:t>– Poly Architect &amp; Future Chief Architect :         </a:t>
+              </a:r>
+              <a:r>
+                <a:rPr lang="en-US" sz="1600" dirty="0">
+                  <a:hlinkClick r:id="rId6"/>
+                </a:rPr>
+                <a:t>https://www.linkedin.com/in/rwest/</a:t>
+              </a:r>
+              <a:r>
+                <a:rPr lang="en-US" sz="1600" dirty="0"/>
+                <a:t>          </a:t>
+              </a:r>
+              <a:r>
+                <a:rPr lang="en-US" sz="1600" dirty="0">
+                  <a:hlinkClick r:id="rId7"/>
+                </a:rPr>
+                <a:t>richard.west.biz@me.com</a:t>
+              </a:r>
+              <a:r>
+                <a:rPr lang="en-US" sz="1600" dirty="0"/>
+                <a:t>         0421 499 3259 </a:t>
+              </a:r>
+            </a:p>
+          </p:txBody>
+        </p:sp>
+        <p:pic>
+          <p:nvPicPr>
+            <p:cNvPr id="13" name="Picture 12" descr="Shape&#10;&#10;Description automatically generated with low confidence">
+              <a:extLst>
+                <a:ext uri="{FF2B5EF4-FFF2-40B4-BE49-F238E27FC236}">
+                  <a16:creationId xmlns:a16="http://schemas.microsoft.com/office/drawing/2014/main" id="{FE1CCB8C-C3BB-DA93-8245-529D7EEBF9C7}"/>
+                </a:ext>
+              </a:extLst>
+            </p:cNvPr>
+            <p:cNvPicPr>
+              <a:picLocks noChangeAspect="1"/>
+            </p:cNvPicPr>
+            <p:nvPr/>
+          </p:nvPicPr>
+          <p:blipFill rotWithShape="1">
+            <a:blip r:embed="rId8">
+              <a:extLst>
+                <a:ext uri="{28A0092B-C50C-407E-A947-70E740481C1C}">
+                  <a14:useLocalDpi xmlns:a14="http://schemas.microsoft.com/office/drawing/2010/main" val="0"/>
+                </a:ext>
+              </a:extLst>
+            </a:blip>
+            <a:srcRect t="18267" b="22466"/>
+            <a:stretch/>
+          </p:blipFill>
+          <p:spPr bwMode="auto">
+            <a:xfrm>
+              <a:off x="4977485" y="260236"/>
+              <a:ext cx="252712" cy="149289"/>
+            </a:xfrm>
+            <a:prstGeom prst="rect">
+              <a:avLst/>
+            </a:prstGeom>
+            <a:noFill/>
+            <a:ln>
+              <a:noFill/>
+            </a:ln>
+            <a:extLst>
+              <a:ext uri="{53640926-AAD7-44D8-BBD7-CCE9431645EC}">
+                <a14:shadowObscured xmlns:a14="http://schemas.microsoft.com/office/drawing/2010/main"/>
+              </a:ext>
+            </a:extLst>
+          </p:spPr>
+        </p:pic>
+        <p:pic>
+          <p:nvPicPr>
+            <p:cNvPr id="18" name="Picture 17" descr="Icon&#10;&#10;Description automatically generated">
+              <a:extLst>
+                <a:ext uri="{FF2B5EF4-FFF2-40B4-BE49-F238E27FC236}">
+                  <a16:creationId xmlns:a16="http://schemas.microsoft.com/office/drawing/2014/main" id="{6FD33558-131B-3D53-AAEC-8F5C7CA4B0A9}"/>
+                </a:ext>
+              </a:extLst>
+            </p:cNvPr>
+            <p:cNvPicPr>
+              <a:picLocks noChangeAspect="1"/>
+            </p:cNvPicPr>
+            <p:nvPr/>
+          </p:nvPicPr>
+          <p:blipFill>
+            <a:blip r:embed="rId9"/>
+            <a:stretch>
+              <a:fillRect/>
+            </a:stretch>
+          </p:blipFill>
+          <p:spPr>
+            <a:xfrm>
+              <a:off x="8477470" y="256526"/>
+              <a:ext cx="180594" cy="155448"/>
+            </a:xfrm>
+            <a:prstGeom prst="rect">
+              <a:avLst/>
+            </a:prstGeom>
+          </p:spPr>
+        </p:pic>
+        <p:pic>
+          <p:nvPicPr>
+            <p:cNvPr id="19" name="Picture 18" descr="Shape&#10;&#10;Description automatically generated with low confidence">
+              <a:extLst>
+                <a:ext uri="{FF2B5EF4-FFF2-40B4-BE49-F238E27FC236}">
+                  <a16:creationId xmlns:a16="http://schemas.microsoft.com/office/drawing/2014/main" id="{7038C6E4-FCB2-2A82-ABCC-9AF453FAAC32}"/>
+                </a:ext>
+              </a:extLst>
+            </p:cNvPr>
+            <p:cNvPicPr>
+              <a:picLocks noChangeAspect="1"/>
+            </p:cNvPicPr>
+            <p:nvPr/>
+          </p:nvPicPr>
+          <p:blipFill>
+            <a:blip r:embed="rId10">
+              <a:extLst>
+                <a:ext uri="{28A0092B-C50C-407E-A947-70E740481C1C}">
+                  <a14:useLocalDpi xmlns:a14="http://schemas.microsoft.com/office/drawing/2010/main" val="0"/>
+                </a:ext>
+              </a:extLst>
+            </a:blip>
+            <a:srcRect/>
+            <a:stretch>
+              <a:fillRect/>
+            </a:stretch>
+          </p:blipFill>
+          <p:spPr bwMode="auto">
+            <a:xfrm>
+              <a:off x="11030076" y="223835"/>
+              <a:ext cx="225473" cy="225473"/>
+            </a:xfrm>
+            <a:prstGeom prst="rect">
+              <a:avLst/>
+            </a:prstGeom>
+            <a:noFill/>
+            <a:ln>
+              <a:noFill/>
+            </a:ln>
+          </p:spPr>
+        </p:pic>
+      </p:grpSp>
     </p:spTree>
     <p:extLst>
       <p:ext uri="{BB962C8B-B14F-4D97-AF65-F5344CB8AC3E}">
@@ -16502,10 +16508,10 @@
       </p:sp>
       <p:grpSp>
         <p:nvGrpSpPr>
-          <p:cNvPr id="14" name="Group 13">
+          <p:cNvPr id="3" name="Group 2">
             <a:extLst>
               <a:ext uri="{FF2B5EF4-FFF2-40B4-BE49-F238E27FC236}">
-                <a16:creationId xmlns:a16="http://schemas.microsoft.com/office/drawing/2014/main" id="{C166F2CF-7F09-3A56-F7B8-4D40AF355EB9}"/>
+                <a16:creationId xmlns:a16="http://schemas.microsoft.com/office/drawing/2014/main" id="{A126D908-8DA8-9D4F-E46B-5571A11D1D6E}"/>
               </a:ext>
             </a:extLst>
           </p:cNvPr>
@@ -16514,18 +16520,18 @@
         </p:nvGrpSpPr>
         <p:grpSpPr>
           <a:xfrm>
-            <a:off x="168577" y="166472"/>
-            <a:ext cx="12464446" cy="338554"/>
-            <a:chOff x="168577" y="166472"/>
-            <a:chExt cx="12428626" cy="338554"/>
+            <a:off x="70829" y="166472"/>
+            <a:ext cx="12562194" cy="338554"/>
+            <a:chOff x="71110" y="166472"/>
+            <a:chExt cx="12526093" cy="338554"/>
           </a:xfrm>
         </p:grpSpPr>
         <p:sp>
           <p:nvSpPr>
-            <p:cNvPr id="15" name="TextBox 14">
+            <p:cNvPr id="4" name="TextBox 3">
               <a:extLst>
                 <a:ext uri="{FF2B5EF4-FFF2-40B4-BE49-F238E27FC236}">
-                  <a16:creationId xmlns:a16="http://schemas.microsoft.com/office/drawing/2014/main" id="{8CCCE981-9CA5-1ACD-9DC5-78FB0D64531A}"/>
+                  <a16:creationId xmlns:a16="http://schemas.microsoft.com/office/drawing/2014/main" id="{793CA6B7-E38F-E7F4-7945-CA1AB9501BB5}"/>
                 </a:ext>
               </a:extLst>
             </p:cNvPr>
@@ -16534,8 +16540,8 @@
           </p:nvSpPr>
           <p:spPr>
             <a:xfrm>
-              <a:off x="168577" y="166472"/>
-              <a:ext cx="12428626" cy="338554"/>
+              <a:off x="71110" y="166472"/>
+              <a:ext cx="12526093" cy="338554"/>
             </a:xfrm>
             <a:prstGeom prst="rect">
               <a:avLst/>
@@ -16549,8 +16555,12 @@
             <a:lstStyle/>
             <a:p>
               <a:r>
+                <a:rPr lang="en-US" sz="1600" b="1" dirty="0"/>
+                <a:t>Richard West </a:t>
+              </a:r>
+              <a:r>
                 <a:rPr lang="en-US" sz="1600" dirty="0"/>
-                <a:t>Richard West – Poly Architect &amp; Future Chief Architect :		  </a:t>
+                <a:t>– Poly Architect &amp; Future Chief Architect :         </a:t>
               </a:r>
               <a:r>
                 <a:rPr lang="en-US" sz="1600" dirty="0">
@@ -16560,25 +16570,27 @@
               </a:r>
               <a:r>
                 <a:rPr lang="en-US" sz="1600" dirty="0"/>
-                <a:t> 		  </a:t>
+                <a:t>          </a:t>
               </a:r>
               <a:r>
-                <a:rPr lang="en-US" sz="1600" dirty="0" err="1"/>
-                <a:t>r.west@me.com</a:t>
+                <a:rPr lang="en-US" sz="1600" dirty="0">
+                  <a:hlinkClick r:id="rId27"/>
+                </a:rPr>
+                <a:t>richard.west.biz@me.com</a:t>
               </a:r>
               <a:r>
                 <a:rPr lang="en-US" sz="1600" dirty="0"/>
-                <a:t>		 0421 499 3259 </a:t>
+                <a:t>         0421 499 3259 </a:t>
               </a:r>
             </a:p>
           </p:txBody>
         </p:sp>
         <p:pic>
           <p:nvPicPr>
-            <p:cNvPr id="16" name="Picture 15" descr="Shape&#10;&#10;Description automatically generated with low confidence">
+            <p:cNvPr id="6" name="Picture 5" descr="Shape&#10;&#10;Description automatically generated with low confidence">
               <a:extLst>
                 <a:ext uri="{FF2B5EF4-FFF2-40B4-BE49-F238E27FC236}">
-                  <a16:creationId xmlns:a16="http://schemas.microsoft.com/office/drawing/2014/main" id="{103AB9A9-2B51-BBCC-F55C-BF8AFA29176B}"/>
+                  <a16:creationId xmlns:a16="http://schemas.microsoft.com/office/drawing/2014/main" id="{09BC1A7B-077A-25DF-3F79-6C30AD48485C}"/>
                 </a:ext>
               </a:extLst>
             </p:cNvPr>
@@ -16588,7 +16600,7 @@
             <p:nvPr/>
           </p:nvPicPr>
           <p:blipFill rotWithShape="1">
-            <a:blip r:embed="rId27">
+            <a:blip r:embed="rId28">
               <a:extLst>
                 <a:ext uri="{28A0092B-C50C-407E-A947-70E740481C1C}">
                   <a14:useLocalDpi xmlns:a14="http://schemas.microsoft.com/office/drawing/2010/main" val="0"/>
@@ -16600,7 +16612,7 @@
           </p:blipFill>
           <p:spPr bwMode="auto">
             <a:xfrm>
-              <a:off x="5061793" y="260236"/>
+              <a:off x="4857104" y="260236"/>
               <a:ext cx="252712" cy="149289"/>
             </a:xfrm>
             <a:prstGeom prst="rect">
@@ -16619,10 +16631,10 @@
         </p:pic>
         <p:pic>
           <p:nvPicPr>
-            <p:cNvPr id="17" name="Picture 16" descr="Icon&#10;&#10;Description automatically generated">
+            <p:cNvPr id="10" name="Picture 9" descr="Icon&#10;&#10;Description automatically generated">
               <a:extLst>
                 <a:ext uri="{FF2B5EF4-FFF2-40B4-BE49-F238E27FC236}">
-                  <a16:creationId xmlns:a16="http://schemas.microsoft.com/office/drawing/2014/main" id="{811BCB82-F85D-F828-2595-C4C3CCAA4A8D}"/>
+                  <a16:creationId xmlns:a16="http://schemas.microsoft.com/office/drawing/2014/main" id="{A7A908F4-F00E-DCE7-C8D2-7837D3EB2FC4}"/>
                 </a:ext>
               </a:extLst>
             </p:cNvPr>
@@ -16632,14 +16644,14 @@
             <p:nvPr/>
           </p:nvPicPr>
           <p:blipFill>
-            <a:blip r:embed="rId28"/>
+            <a:blip r:embed="rId29"/>
             <a:stretch>
               <a:fillRect/>
             </a:stretch>
           </p:blipFill>
           <p:spPr>
             <a:xfrm>
-              <a:off x="8775721" y="256526"/>
+              <a:off x="8366345" y="256526"/>
               <a:ext cx="180594" cy="155448"/>
             </a:xfrm>
             <a:prstGeom prst="rect">
@@ -16649,10 +16661,10 @@
         </p:pic>
         <p:pic>
           <p:nvPicPr>
-            <p:cNvPr id="18" name="Picture 17" descr="Shape&#10;&#10;Description automatically generated with low confidence">
+            <p:cNvPr id="11" name="Picture 10" descr="Shape&#10;&#10;Description automatically generated with low confidence">
               <a:extLst>
                 <a:ext uri="{FF2B5EF4-FFF2-40B4-BE49-F238E27FC236}">
-                  <a16:creationId xmlns:a16="http://schemas.microsoft.com/office/drawing/2014/main" id="{546F1C29-702F-4D17-F334-BD6EED0762C7}"/>
+                  <a16:creationId xmlns:a16="http://schemas.microsoft.com/office/drawing/2014/main" id="{AAC58346-8C47-57E6-952B-52A6498D338D}"/>
                 </a:ext>
               </a:extLst>
             </p:cNvPr>
@@ -16662,7 +16674,7 @@
             <p:nvPr/>
           </p:nvPicPr>
           <p:blipFill>
-            <a:blip r:embed="rId29">
+            <a:blip r:embed="rId30">
               <a:extLst>
                 <a:ext uri="{28A0092B-C50C-407E-A947-70E740481C1C}">
                   <a14:useLocalDpi xmlns:a14="http://schemas.microsoft.com/office/drawing/2010/main" val="0"/>
@@ -16676,7 +16688,7 @@
           </p:blipFill>
           <p:spPr bwMode="auto">
             <a:xfrm>
-              <a:off x="11021191" y="223835"/>
+              <a:off x="10937454" y="223835"/>
               <a:ext cx="225473" cy="225473"/>
             </a:xfrm>
             <a:prstGeom prst="rect">
